--- a/ClassProject.pptx
+++ b/ClassProject.pptx
@@ -3656,9 +3656,36 @@
           <a:p>
             <a:r>
               <a:rPr lang="en-US" dirty="0" smtClean="0"/>
-              <a:t>CLASS PROJECT</a:t>
-            </a:r>
-            <a:endParaRPr lang="en-US" dirty="0"/>
+              <a:t>CLASS </a:t>
+            </a:r>
+            <a:r>
+              <a:rPr lang="en-US" dirty="0" smtClean="0"/>
+              <a:t>PROJECT</a:t>
+            </a:r>
+            <a:br>
+              <a:rPr lang="en-US" dirty="0" smtClean="0"/>
+            </a:br>
+            <a:r>
+              <a:rPr lang="en-US" sz="4400" b="1" i="1" dirty="0" smtClean="0"/>
+              <a:t>Do you really want to buy an house in </a:t>
+            </a:r>
+            <a:r>
+              <a:rPr lang="en-US" sz="4400" b="1" i="1" smtClean="0"/>
+              <a:t>the Bay </a:t>
+            </a:r>
+            <a:r>
+              <a:rPr lang="en-US" sz="4400" b="1" i="1" dirty="0"/>
+              <a:t>A</a:t>
+            </a:r>
+            <a:r>
+              <a:rPr lang="en-US" sz="4400" b="1" i="1" smtClean="0"/>
+              <a:t>rea</a:t>
+            </a:r>
+            <a:r>
+              <a:rPr lang="en-US" sz="4400" b="1" i="1" dirty="0" smtClean="0"/>
+              <a:t>?</a:t>
+            </a:r>
+            <a:endParaRPr lang="en-US" i="1" dirty="0"/>
           </a:p>
         </p:txBody>
       </p:sp>
@@ -4382,23 +4409,7 @@
             </a:pPr>
             <a:r>
               <a:rPr lang="en-US" dirty="0" smtClean="0"/>
-              <a:t>Our Project </a:t>
-            </a:r>
-            <a:r>
-              <a:rPr lang="en-US" dirty="0" smtClean="0"/>
-              <a:t>want </a:t>
-            </a:r>
-            <a:r>
-              <a:rPr lang="en-US" dirty="0" smtClean="0"/>
-              <a:t>to analyze the correlation between school </a:t>
-            </a:r>
-            <a:r>
-              <a:rPr lang="en-US" dirty="0" smtClean="0"/>
-              <a:t>rate scores </a:t>
-            </a:r>
-            <a:r>
-              <a:rPr lang="en-US" dirty="0" smtClean="0"/>
-              <a:t>and median sold price.</a:t>
+              <a:t>Our Project want to analyze the correlation between school rate scores and median sold price.</a:t>
             </a:r>
             <a:endParaRPr lang="en-US" sz="4000" b="1" dirty="0"/>
           </a:p>

--- a/ClassProject.pptx
+++ b/ClassProject.pptx
@@ -3667,23 +3667,15 @@
             </a:br>
             <a:r>
               <a:rPr lang="en-US" sz="4400" b="1" i="1" dirty="0" smtClean="0"/>
-              <a:t>Do you really want to buy an house in </a:t>
-            </a:r>
-            <a:r>
-              <a:rPr lang="en-US" sz="4400" b="1" i="1" smtClean="0"/>
-              <a:t>the Bay </a:t>
+              <a:t>Do you really want to buy an house in the Bay </a:t>
             </a:r>
             <a:r>
               <a:rPr lang="en-US" sz="4400" b="1" i="1" dirty="0"/>
               <a:t>A</a:t>
             </a:r>
             <a:r>
-              <a:rPr lang="en-US" sz="4400" b="1" i="1" smtClean="0"/>
-              <a:t>rea</a:t>
-            </a:r>
-            <a:r>
               <a:rPr lang="en-US" sz="4400" b="1" i="1" dirty="0" smtClean="0"/>
-              <a:t>?</a:t>
+              <a:t>rea?</a:t>
             </a:r>
             <a:endParaRPr lang="en-US" i="1" dirty="0"/>
           </a:p>
